--- a/3_mvcCore/slides/4MVC .pptx
+++ b/3_mvcCore/slides/4MVC .pptx
@@ -236,7 +236,7 @@
           <a:p>
             <a:fld id="{1CA3DF46-1122-49F8-B2FC-AA89D59712B3}" type="datetimeFigureOut">
               <a:rPr lang="en-IN" smtClean="0"/>
-              <a:t>12-12-2022</a:t>
+              <a:t>28-03-2023</a:t>
             </a:fld>
             <a:endParaRPr lang="en-IN"/>
           </a:p>
@@ -4623,7 +4623,7 @@
             <a:fld id="{1D8BD707-D9CF-40AE-B4C6-C98DA3205C09}" type="datetimeFigureOut">
               <a:rPr lang="en-US" smtClean="0"/>
               <a:pPr/>
-              <a:t>12/12/2022</a:t>
+              <a:t>3/28/2023</a:t>
             </a:fld>
             <a:endParaRPr lang="en-US"/>
           </a:p>
@@ -4885,7 +4885,7 @@
             <a:fld id="{1D8BD707-D9CF-40AE-B4C6-C98DA3205C09}" type="datetimeFigureOut">
               <a:rPr lang="en-US" smtClean="0"/>
               <a:pPr/>
-              <a:t>12/12/2022</a:t>
+              <a:t>3/28/2023</a:t>
             </a:fld>
             <a:endParaRPr lang="en-US"/>
           </a:p>
@@ -7109,11 +7109,17 @@
           <p:cNvGraphicFramePr>
             <a:graphicFrameLocks noGrp="1"/>
           </p:cNvGraphicFramePr>
-          <p:nvPr/>
+          <p:nvPr>
+            <p:extLst>
+              <p:ext uri="{D42A27DB-BD31-4B8C-83A1-F6EECF244321}">
+                <p14:modId xmlns:p14="http://schemas.microsoft.com/office/powerpoint/2010/main" val="1189166962"/>
+              </p:ext>
+            </p:extLst>
+          </p:nvPr>
         </p:nvGraphicFramePr>
         <p:xfrm>
           <a:off x="0" y="335328"/>
-          <a:ext cx="9144000" cy="6751272"/>
+          <a:ext cx="9144000" cy="6385512"/>
         </p:xfrm>
         <a:graphic>
           <a:graphicData uri="http://schemas.openxmlformats.org/drawingml/2006/table">
@@ -7131,23 +7137,47 @@
                     <a:lstStyle/>
                     <a:p>
                       <a:r>
-                        <a:rPr lang="en-IN" sz="2000" dirty="0"/>
+                        <a:rPr lang="en-IN" sz="2000" b="1" dirty="0"/>
                         <a:t>Action Result</a:t>
                       </a:r>
                     </a:p>
                   </a:txBody>
                   <a:tcPr marL="37284" marR="37284" marT="18642" marB="18642" anchor="ctr">
-                    <a:lnL>
-                      <a:noFill/>
+                    <a:lnL w="12700" cap="flat" cmpd="sng" algn="ctr">
+                      <a:solidFill>
+                        <a:schemeClr val="tx1"/>
+                      </a:solidFill>
+                      <a:prstDash val="solid"/>
+                      <a:round/>
+                      <a:headEnd type="none" w="med" len="med"/>
+                      <a:tailEnd type="none" w="med" len="med"/>
                     </a:lnL>
-                    <a:lnR>
-                      <a:noFill/>
+                    <a:lnR w="12700" cap="flat" cmpd="sng" algn="ctr">
+                      <a:solidFill>
+                        <a:schemeClr val="tx1"/>
+                      </a:solidFill>
+                      <a:prstDash val="solid"/>
+                      <a:round/>
+                      <a:headEnd type="none" w="med" len="med"/>
+                      <a:tailEnd type="none" w="med" len="med"/>
                     </a:lnR>
-                    <a:lnT>
-                      <a:noFill/>
+                    <a:lnT w="12700" cap="flat" cmpd="sng" algn="ctr">
+                      <a:solidFill>
+                        <a:schemeClr val="tx1"/>
+                      </a:solidFill>
+                      <a:prstDash val="solid"/>
+                      <a:round/>
+                      <a:headEnd type="none" w="med" len="med"/>
+                      <a:tailEnd type="none" w="med" len="med"/>
                     </a:lnT>
-                    <a:lnB>
-                      <a:noFill/>
+                    <a:lnB w="12700" cap="flat" cmpd="sng" algn="ctr">
+                      <a:solidFill>
+                        <a:schemeClr val="tx1"/>
+                      </a:solidFill>
+                      <a:prstDash val="solid"/>
+                      <a:round/>
+                      <a:headEnd type="none" w="med" len="med"/>
+                      <a:tailEnd type="none" w="med" len="med"/>
                     </a:lnB>
                   </a:tcPr>
                 </a:tc>
@@ -7157,23 +7187,47 @@
                     <a:lstStyle/>
                     <a:p>
                       <a:r>
-                        <a:rPr lang="en-IN" sz="2000" dirty="0"/>
+                        <a:rPr lang="en-IN" sz="2000" b="1" dirty="0"/>
                         <a:t>Helper Method</a:t>
                       </a:r>
                     </a:p>
                   </a:txBody>
                   <a:tcPr marL="37284" marR="37284" marT="18642" marB="18642" anchor="ctr">
-                    <a:lnL>
-                      <a:noFill/>
+                    <a:lnL w="12700" cap="flat" cmpd="sng" algn="ctr">
+                      <a:solidFill>
+                        <a:schemeClr val="tx1"/>
+                      </a:solidFill>
+                      <a:prstDash val="solid"/>
+                      <a:round/>
+                      <a:headEnd type="none" w="med" len="med"/>
+                      <a:tailEnd type="none" w="med" len="med"/>
                     </a:lnL>
-                    <a:lnR>
-                      <a:noFill/>
+                    <a:lnR w="12700" cap="flat" cmpd="sng" algn="ctr">
+                      <a:solidFill>
+                        <a:schemeClr val="tx1"/>
+                      </a:solidFill>
+                      <a:prstDash val="solid"/>
+                      <a:round/>
+                      <a:headEnd type="none" w="med" len="med"/>
+                      <a:tailEnd type="none" w="med" len="med"/>
                     </a:lnR>
-                    <a:lnT>
-                      <a:noFill/>
+                    <a:lnT w="12700" cap="flat" cmpd="sng" algn="ctr">
+                      <a:solidFill>
+                        <a:schemeClr val="tx1"/>
+                      </a:solidFill>
+                      <a:prstDash val="solid"/>
+                      <a:round/>
+                      <a:headEnd type="none" w="med" len="med"/>
+                      <a:tailEnd type="none" w="med" len="med"/>
                     </a:lnT>
-                    <a:lnB>
-                      <a:noFill/>
+                    <a:lnB w="12700" cap="flat" cmpd="sng" algn="ctr">
+                      <a:solidFill>
+                        <a:schemeClr val="tx1"/>
+                      </a:solidFill>
+                      <a:prstDash val="solid"/>
+                      <a:round/>
+                      <a:headEnd type="none" w="med" len="med"/>
+                      <a:tailEnd type="none" w="med" len="med"/>
                     </a:lnB>
                   </a:tcPr>
                 </a:tc>
@@ -7183,23 +7237,47 @@
                     <a:lstStyle/>
                     <a:p>
                       <a:r>
-                        <a:rPr lang="en-IN" sz="2000"/>
+                        <a:rPr lang="en-IN" sz="2000" b="1" dirty="0"/>
                         <a:t>Description</a:t>
                       </a:r>
                     </a:p>
                   </a:txBody>
                   <a:tcPr marL="37284" marR="37284" marT="18642" marB="18642" anchor="ctr">
-                    <a:lnL>
-                      <a:noFill/>
+                    <a:lnL w="12700" cap="flat" cmpd="sng" algn="ctr">
+                      <a:solidFill>
+                        <a:schemeClr val="tx1"/>
+                      </a:solidFill>
+                      <a:prstDash val="solid"/>
+                      <a:round/>
+                      <a:headEnd type="none" w="med" len="med"/>
+                      <a:tailEnd type="none" w="med" len="med"/>
                     </a:lnL>
-                    <a:lnR>
-                      <a:noFill/>
+                    <a:lnR w="12700" cap="flat" cmpd="sng" algn="ctr">
+                      <a:solidFill>
+                        <a:schemeClr val="tx1"/>
+                      </a:solidFill>
+                      <a:prstDash val="solid"/>
+                      <a:round/>
+                      <a:headEnd type="none" w="med" len="med"/>
+                      <a:tailEnd type="none" w="med" len="med"/>
                     </a:lnR>
-                    <a:lnT>
-                      <a:noFill/>
+                    <a:lnT w="12700" cap="flat" cmpd="sng" algn="ctr">
+                      <a:solidFill>
+                        <a:schemeClr val="tx1"/>
+                      </a:solidFill>
+                      <a:prstDash val="solid"/>
+                      <a:round/>
+                      <a:headEnd type="none" w="med" len="med"/>
+                      <a:tailEnd type="none" w="med" len="med"/>
                     </a:lnT>
-                    <a:lnB>
-                      <a:noFill/>
+                    <a:lnB w="12700" cap="flat" cmpd="sng" algn="ctr">
+                      <a:solidFill>
+                        <a:schemeClr val="tx1"/>
+                      </a:solidFill>
+                      <a:prstDash val="solid"/>
+                      <a:round/>
+                      <a:headEnd type="none" w="med" len="med"/>
+                      <a:tailEnd type="none" w="med" len="med"/>
                     </a:lnB>
                   </a:tcPr>
                 </a:tc>
@@ -7211,26 +7289,50 @@
                     <a:lstStyle/>
                     <a:p>
                       <a:r>
-                        <a:rPr lang="en-IN" sz="2000" dirty="0" err="1">
+                        <a:rPr lang="en-IN" sz="1800" dirty="0" err="1">
                           <a:hlinkClick r:id="rId2"/>
                         </a:rPr>
                         <a:t>ViewResult</a:t>
                       </a:r>
-                      <a:endParaRPr lang="en-IN" sz="2000" dirty="0"/>
+                      <a:endParaRPr lang="en-IN" sz="1800" dirty="0"/>
                     </a:p>
                   </a:txBody>
                   <a:tcPr marL="37284" marR="37284" marT="18642" marB="18642" anchor="ctr">
-                    <a:lnL>
-                      <a:noFill/>
+                    <a:lnL w="12700" cap="flat" cmpd="sng" algn="ctr">
+                      <a:solidFill>
+                        <a:schemeClr val="tx1"/>
+                      </a:solidFill>
+                      <a:prstDash val="solid"/>
+                      <a:round/>
+                      <a:headEnd type="none" w="med" len="med"/>
+                      <a:tailEnd type="none" w="med" len="med"/>
                     </a:lnL>
-                    <a:lnR>
-                      <a:noFill/>
+                    <a:lnR w="12700" cap="flat" cmpd="sng" algn="ctr">
+                      <a:solidFill>
+                        <a:schemeClr val="tx1"/>
+                      </a:solidFill>
+                      <a:prstDash val="solid"/>
+                      <a:round/>
+                      <a:headEnd type="none" w="med" len="med"/>
+                      <a:tailEnd type="none" w="med" len="med"/>
                     </a:lnR>
-                    <a:lnT>
-                      <a:noFill/>
+                    <a:lnT w="12700" cap="flat" cmpd="sng" algn="ctr">
+                      <a:solidFill>
+                        <a:schemeClr val="tx1"/>
+                      </a:solidFill>
+                      <a:prstDash val="solid"/>
+                      <a:round/>
+                      <a:headEnd type="none" w="med" len="med"/>
+                      <a:tailEnd type="none" w="med" len="med"/>
                     </a:lnT>
-                    <a:lnB>
-                      <a:noFill/>
+                    <a:lnB w="12700" cap="flat" cmpd="sng" algn="ctr">
+                      <a:solidFill>
+                        <a:schemeClr val="tx1"/>
+                      </a:solidFill>
+                      <a:prstDash val="solid"/>
+                      <a:round/>
+                      <a:headEnd type="none" w="med" len="med"/>
+                      <a:tailEnd type="none" w="med" len="med"/>
                     </a:lnB>
                   </a:tcPr>
                 </a:tc>
@@ -7240,26 +7342,50 @@
                     <a:lstStyle/>
                     <a:p>
                       <a:r>
-                        <a:rPr lang="en-IN" sz="2000" dirty="0">
+                        <a:rPr lang="en-IN" sz="1800" dirty="0">
                           <a:hlinkClick r:id="rId3"/>
                         </a:rPr>
                         <a:t>View</a:t>
                       </a:r>
-                      <a:endParaRPr lang="en-IN" sz="2000" dirty="0"/>
+                      <a:endParaRPr lang="en-IN" sz="1800" dirty="0"/>
                     </a:p>
                   </a:txBody>
                   <a:tcPr marL="37284" marR="37284" marT="18642" marB="18642" anchor="ctr">
-                    <a:lnL>
-                      <a:noFill/>
+                    <a:lnL w="12700" cap="flat" cmpd="sng" algn="ctr">
+                      <a:solidFill>
+                        <a:schemeClr val="tx1"/>
+                      </a:solidFill>
+                      <a:prstDash val="solid"/>
+                      <a:round/>
+                      <a:headEnd type="none" w="med" len="med"/>
+                      <a:tailEnd type="none" w="med" len="med"/>
                     </a:lnL>
-                    <a:lnR>
-                      <a:noFill/>
+                    <a:lnR w="12700" cap="flat" cmpd="sng" algn="ctr">
+                      <a:solidFill>
+                        <a:schemeClr val="tx1"/>
+                      </a:solidFill>
+                      <a:prstDash val="solid"/>
+                      <a:round/>
+                      <a:headEnd type="none" w="med" len="med"/>
+                      <a:tailEnd type="none" w="med" len="med"/>
                     </a:lnR>
-                    <a:lnT>
-                      <a:noFill/>
+                    <a:lnT w="12700" cap="flat" cmpd="sng" algn="ctr">
+                      <a:solidFill>
+                        <a:schemeClr val="tx1"/>
+                      </a:solidFill>
+                      <a:prstDash val="solid"/>
+                      <a:round/>
+                      <a:headEnd type="none" w="med" len="med"/>
+                      <a:tailEnd type="none" w="med" len="med"/>
                     </a:lnT>
-                    <a:lnB>
-                      <a:noFill/>
+                    <a:lnB w="12700" cap="flat" cmpd="sng" algn="ctr">
+                      <a:solidFill>
+                        <a:schemeClr val="tx1"/>
+                      </a:solidFill>
+                      <a:prstDash val="solid"/>
+                      <a:round/>
+                      <a:headEnd type="none" w="med" len="med"/>
+                      <a:tailEnd type="none" w="med" len="med"/>
                     </a:lnB>
                   </a:tcPr>
                 </a:tc>
@@ -7275,17 +7401,41 @@
                     </a:p>
                   </a:txBody>
                   <a:tcPr marL="37284" marR="37284" marT="18642" marB="18642" anchor="ctr">
-                    <a:lnL>
-                      <a:noFill/>
+                    <a:lnL w="12700" cap="flat" cmpd="sng" algn="ctr">
+                      <a:solidFill>
+                        <a:schemeClr val="tx1"/>
+                      </a:solidFill>
+                      <a:prstDash val="solid"/>
+                      <a:round/>
+                      <a:headEnd type="none" w="med" len="med"/>
+                      <a:tailEnd type="none" w="med" len="med"/>
                     </a:lnL>
-                    <a:lnR>
-                      <a:noFill/>
+                    <a:lnR w="12700" cap="flat" cmpd="sng" algn="ctr">
+                      <a:solidFill>
+                        <a:schemeClr val="tx1"/>
+                      </a:solidFill>
+                      <a:prstDash val="solid"/>
+                      <a:round/>
+                      <a:headEnd type="none" w="med" len="med"/>
+                      <a:tailEnd type="none" w="med" len="med"/>
                     </a:lnR>
-                    <a:lnT>
-                      <a:noFill/>
+                    <a:lnT w="12700" cap="flat" cmpd="sng" algn="ctr">
+                      <a:solidFill>
+                        <a:schemeClr val="tx1"/>
+                      </a:solidFill>
+                      <a:prstDash val="solid"/>
+                      <a:round/>
+                      <a:headEnd type="none" w="med" len="med"/>
+                      <a:tailEnd type="none" w="med" len="med"/>
                     </a:lnT>
-                    <a:lnB>
-                      <a:noFill/>
+                    <a:lnB w="12700" cap="flat" cmpd="sng" algn="ctr">
+                      <a:solidFill>
+                        <a:schemeClr val="tx1"/>
+                      </a:solidFill>
+                      <a:prstDash val="solid"/>
+                      <a:round/>
+                      <a:headEnd type="none" w="med" len="med"/>
+                      <a:tailEnd type="none" w="med" len="med"/>
                     </a:lnB>
                   </a:tcPr>
                 </a:tc>
@@ -7297,26 +7447,50 @@
                     <a:lstStyle/>
                     <a:p>
                       <a:r>
-                        <a:rPr lang="en-IN" sz="2000" dirty="0" err="1">
+                        <a:rPr lang="en-IN" sz="1800" dirty="0" err="1">
                           <a:hlinkClick r:id="rId4"/>
                         </a:rPr>
                         <a:t>PartialViewResult</a:t>
                       </a:r>
-                      <a:endParaRPr lang="en-IN" sz="2000" dirty="0"/>
+                      <a:endParaRPr lang="en-IN" sz="1800" dirty="0"/>
                     </a:p>
                   </a:txBody>
                   <a:tcPr marL="37284" marR="37284" marT="18642" marB="18642" anchor="ctr">
-                    <a:lnL>
-                      <a:noFill/>
+                    <a:lnL w="12700" cap="flat" cmpd="sng" algn="ctr">
+                      <a:solidFill>
+                        <a:schemeClr val="tx1"/>
+                      </a:solidFill>
+                      <a:prstDash val="solid"/>
+                      <a:round/>
+                      <a:headEnd type="none" w="med" len="med"/>
+                      <a:tailEnd type="none" w="med" len="med"/>
                     </a:lnL>
-                    <a:lnR>
-                      <a:noFill/>
+                    <a:lnR w="12700" cap="flat" cmpd="sng" algn="ctr">
+                      <a:solidFill>
+                        <a:schemeClr val="tx1"/>
+                      </a:solidFill>
+                      <a:prstDash val="solid"/>
+                      <a:round/>
+                      <a:headEnd type="none" w="med" len="med"/>
+                      <a:tailEnd type="none" w="med" len="med"/>
                     </a:lnR>
-                    <a:lnT>
-                      <a:noFill/>
+                    <a:lnT w="12700" cap="flat" cmpd="sng" algn="ctr">
+                      <a:solidFill>
+                        <a:schemeClr val="tx1"/>
+                      </a:solidFill>
+                      <a:prstDash val="solid"/>
+                      <a:round/>
+                      <a:headEnd type="none" w="med" len="med"/>
+                      <a:tailEnd type="none" w="med" len="med"/>
                     </a:lnT>
-                    <a:lnB>
-                      <a:noFill/>
+                    <a:lnB w="12700" cap="flat" cmpd="sng" algn="ctr">
+                      <a:solidFill>
+                        <a:schemeClr val="tx1"/>
+                      </a:solidFill>
+                      <a:prstDash val="solid"/>
+                      <a:round/>
+                      <a:headEnd type="none" w="med" len="med"/>
+                      <a:tailEnd type="none" w="med" len="med"/>
                     </a:lnB>
                   </a:tcPr>
                 </a:tc>
@@ -7326,26 +7500,50 @@
                     <a:lstStyle/>
                     <a:p>
                       <a:r>
-                        <a:rPr lang="en-IN" sz="2000" dirty="0" err="1">
+                        <a:rPr lang="en-IN" sz="1800" dirty="0" err="1">
                           <a:hlinkClick r:id="rId5"/>
                         </a:rPr>
                         <a:t>PartialView</a:t>
                       </a:r>
-                      <a:endParaRPr lang="en-IN" sz="2000" dirty="0"/>
+                      <a:endParaRPr lang="en-IN" sz="1800" dirty="0"/>
                     </a:p>
                   </a:txBody>
                   <a:tcPr marL="37284" marR="37284" marT="18642" marB="18642" anchor="ctr">
-                    <a:lnL>
-                      <a:noFill/>
+                    <a:lnL w="12700" cap="flat" cmpd="sng" algn="ctr">
+                      <a:solidFill>
+                        <a:schemeClr val="tx1"/>
+                      </a:solidFill>
+                      <a:prstDash val="solid"/>
+                      <a:round/>
+                      <a:headEnd type="none" w="med" len="med"/>
+                      <a:tailEnd type="none" w="med" len="med"/>
                     </a:lnL>
-                    <a:lnR>
-                      <a:noFill/>
+                    <a:lnR w="12700" cap="flat" cmpd="sng" algn="ctr">
+                      <a:solidFill>
+                        <a:schemeClr val="tx1"/>
+                      </a:solidFill>
+                      <a:prstDash val="solid"/>
+                      <a:round/>
+                      <a:headEnd type="none" w="med" len="med"/>
+                      <a:tailEnd type="none" w="med" len="med"/>
                     </a:lnR>
-                    <a:lnT>
-                      <a:noFill/>
+                    <a:lnT w="12700" cap="flat" cmpd="sng" algn="ctr">
+                      <a:solidFill>
+                        <a:schemeClr val="tx1"/>
+                      </a:solidFill>
+                      <a:prstDash val="solid"/>
+                      <a:round/>
+                      <a:headEnd type="none" w="med" len="med"/>
+                      <a:tailEnd type="none" w="med" len="med"/>
                     </a:lnT>
-                    <a:lnB>
-                      <a:noFill/>
+                    <a:lnB w="12700" cap="flat" cmpd="sng" algn="ctr">
+                      <a:solidFill>
+                        <a:schemeClr val="tx1"/>
+                      </a:solidFill>
+                      <a:prstDash val="solid"/>
+                      <a:round/>
+                      <a:headEnd type="none" w="med" len="med"/>
+                      <a:tailEnd type="none" w="med" len="med"/>
                     </a:lnB>
                   </a:tcPr>
                 </a:tc>
@@ -7361,17 +7559,41 @@
                     </a:p>
                   </a:txBody>
                   <a:tcPr marL="37284" marR="37284" marT="18642" marB="18642" anchor="ctr">
-                    <a:lnL>
-                      <a:noFill/>
+                    <a:lnL w="12700" cap="flat" cmpd="sng" algn="ctr">
+                      <a:solidFill>
+                        <a:schemeClr val="tx1"/>
+                      </a:solidFill>
+                      <a:prstDash val="solid"/>
+                      <a:round/>
+                      <a:headEnd type="none" w="med" len="med"/>
+                      <a:tailEnd type="none" w="med" len="med"/>
                     </a:lnL>
-                    <a:lnR>
-                      <a:noFill/>
+                    <a:lnR w="12700" cap="flat" cmpd="sng" algn="ctr">
+                      <a:solidFill>
+                        <a:schemeClr val="tx1"/>
+                      </a:solidFill>
+                      <a:prstDash val="solid"/>
+                      <a:round/>
+                      <a:headEnd type="none" w="med" len="med"/>
+                      <a:tailEnd type="none" w="med" len="med"/>
                     </a:lnR>
-                    <a:lnT>
-                      <a:noFill/>
+                    <a:lnT w="12700" cap="flat" cmpd="sng" algn="ctr">
+                      <a:solidFill>
+                        <a:schemeClr val="tx1"/>
+                      </a:solidFill>
+                      <a:prstDash val="solid"/>
+                      <a:round/>
+                      <a:headEnd type="none" w="med" len="med"/>
+                      <a:tailEnd type="none" w="med" len="med"/>
                     </a:lnT>
-                    <a:lnB>
-                      <a:noFill/>
+                    <a:lnB w="12700" cap="flat" cmpd="sng" algn="ctr">
+                      <a:solidFill>
+                        <a:schemeClr val="tx1"/>
+                      </a:solidFill>
+                      <a:prstDash val="solid"/>
+                      <a:round/>
+                      <a:headEnd type="none" w="med" len="med"/>
+                      <a:tailEnd type="none" w="med" len="med"/>
                     </a:lnB>
                   </a:tcPr>
                 </a:tc>
@@ -7383,26 +7605,50 @@
                     <a:lstStyle/>
                     <a:p>
                       <a:r>
-                        <a:rPr lang="en-IN" sz="2000" dirty="0" err="1">
+                        <a:rPr lang="en-IN" sz="1800" dirty="0" err="1">
                           <a:hlinkClick r:id="rId6"/>
                         </a:rPr>
                         <a:t>RedirectResult</a:t>
                       </a:r>
-                      <a:endParaRPr lang="en-IN" sz="2000" dirty="0"/>
+                      <a:endParaRPr lang="en-IN" sz="1800" dirty="0"/>
                     </a:p>
                   </a:txBody>
                   <a:tcPr marL="37284" marR="37284" marT="18642" marB="18642" anchor="ctr">
-                    <a:lnL>
-                      <a:noFill/>
+                    <a:lnL w="12700" cap="flat" cmpd="sng" algn="ctr">
+                      <a:solidFill>
+                        <a:schemeClr val="tx1"/>
+                      </a:solidFill>
+                      <a:prstDash val="solid"/>
+                      <a:round/>
+                      <a:headEnd type="none" w="med" len="med"/>
+                      <a:tailEnd type="none" w="med" len="med"/>
                     </a:lnL>
-                    <a:lnR>
-                      <a:noFill/>
+                    <a:lnR w="12700" cap="flat" cmpd="sng" algn="ctr">
+                      <a:solidFill>
+                        <a:schemeClr val="tx1"/>
+                      </a:solidFill>
+                      <a:prstDash val="solid"/>
+                      <a:round/>
+                      <a:headEnd type="none" w="med" len="med"/>
+                      <a:tailEnd type="none" w="med" len="med"/>
                     </a:lnR>
-                    <a:lnT>
-                      <a:noFill/>
+                    <a:lnT w="12700" cap="flat" cmpd="sng" algn="ctr">
+                      <a:solidFill>
+                        <a:schemeClr val="tx1"/>
+                      </a:solidFill>
+                      <a:prstDash val="solid"/>
+                      <a:round/>
+                      <a:headEnd type="none" w="med" len="med"/>
+                      <a:tailEnd type="none" w="med" len="med"/>
                     </a:lnT>
-                    <a:lnB>
-                      <a:noFill/>
+                    <a:lnB w="12700" cap="flat" cmpd="sng" algn="ctr">
+                      <a:solidFill>
+                        <a:schemeClr val="tx1"/>
+                      </a:solidFill>
+                      <a:prstDash val="solid"/>
+                      <a:round/>
+                      <a:headEnd type="none" w="med" len="med"/>
+                      <a:tailEnd type="none" w="med" len="med"/>
                     </a:lnB>
                   </a:tcPr>
                 </a:tc>
@@ -7412,26 +7658,50 @@
                     <a:lstStyle/>
                     <a:p>
                       <a:r>
-                        <a:rPr lang="en-IN" sz="2000" dirty="0">
+                        <a:rPr lang="en-IN" sz="1800" dirty="0">
                           <a:hlinkClick r:id="rId7"/>
                         </a:rPr>
                         <a:t>Redirect</a:t>
                       </a:r>
-                      <a:endParaRPr lang="en-IN" sz="2000" dirty="0"/>
+                      <a:endParaRPr lang="en-IN" sz="1800" dirty="0"/>
                     </a:p>
                   </a:txBody>
                   <a:tcPr marL="37284" marR="37284" marT="18642" marB="18642" anchor="ctr">
-                    <a:lnL>
-                      <a:noFill/>
+                    <a:lnL w="12700" cap="flat" cmpd="sng" algn="ctr">
+                      <a:solidFill>
+                        <a:schemeClr val="tx1"/>
+                      </a:solidFill>
+                      <a:prstDash val="solid"/>
+                      <a:round/>
+                      <a:headEnd type="none" w="med" len="med"/>
+                      <a:tailEnd type="none" w="med" len="med"/>
                     </a:lnL>
-                    <a:lnR>
-                      <a:noFill/>
+                    <a:lnR w="12700" cap="flat" cmpd="sng" algn="ctr">
+                      <a:solidFill>
+                        <a:schemeClr val="tx1"/>
+                      </a:solidFill>
+                      <a:prstDash val="solid"/>
+                      <a:round/>
+                      <a:headEnd type="none" w="med" len="med"/>
+                      <a:tailEnd type="none" w="med" len="med"/>
                     </a:lnR>
-                    <a:lnT>
-                      <a:noFill/>
+                    <a:lnT w="12700" cap="flat" cmpd="sng" algn="ctr">
+                      <a:solidFill>
+                        <a:schemeClr val="tx1"/>
+                      </a:solidFill>
+                      <a:prstDash val="solid"/>
+                      <a:round/>
+                      <a:headEnd type="none" w="med" len="med"/>
+                      <a:tailEnd type="none" w="med" len="med"/>
                     </a:lnT>
-                    <a:lnB>
-                      <a:noFill/>
+                    <a:lnB w="12700" cap="flat" cmpd="sng" algn="ctr">
+                      <a:solidFill>
+                        <a:schemeClr val="tx1"/>
+                      </a:solidFill>
+                      <a:prstDash val="solid"/>
+                      <a:round/>
+                      <a:headEnd type="none" w="med" len="med"/>
+                      <a:tailEnd type="none" w="med" len="med"/>
                     </a:lnB>
                   </a:tcPr>
                 </a:tc>
@@ -7447,17 +7717,41 @@
                     </a:p>
                   </a:txBody>
                   <a:tcPr marL="37284" marR="37284" marT="18642" marB="18642" anchor="ctr">
-                    <a:lnL>
-                      <a:noFill/>
+                    <a:lnL w="12700" cap="flat" cmpd="sng" algn="ctr">
+                      <a:solidFill>
+                        <a:schemeClr val="tx1"/>
+                      </a:solidFill>
+                      <a:prstDash val="solid"/>
+                      <a:round/>
+                      <a:headEnd type="none" w="med" len="med"/>
+                      <a:tailEnd type="none" w="med" len="med"/>
                     </a:lnL>
-                    <a:lnR>
-                      <a:noFill/>
+                    <a:lnR w="12700" cap="flat" cmpd="sng" algn="ctr">
+                      <a:solidFill>
+                        <a:schemeClr val="tx1"/>
+                      </a:solidFill>
+                      <a:prstDash val="solid"/>
+                      <a:round/>
+                      <a:headEnd type="none" w="med" len="med"/>
+                      <a:tailEnd type="none" w="med" len="med"/>
                     </a:lnR>
-                    <a:lnT>
-                      <a:noFill/>
+                    <a:lnT w="12700" cap="flat" cmpd="sng" algn="ctr">
+                      <a:solidFill>
+                        <a:schemeClr val="tx1"/>
+                      </a:solidFill>
+                      <a:prstDash val="solid"/>
+                      <a:round/>
+                      <a:headEnd type="none" w="med" len="med"/>
+                      <a:tailEnd type="none" w="med" len="med"/>
                     </a:lnT>
-                    <a:lnB>
-                      <a:noFill/>
+                    <a:lnB w="12700" cap="flat" cmpd="sng" algn="ctr">
+                      <a:solidFill>
+                        <a:schemeClr val="tx1"/>
+                      </a:solidFill>
+                      <a:prstDash val="solid"/>
+                      <a:round/>
+                      <a:headEnd type="none" w="med" len="med"/>
+                      <a:tailEnd type="none" w="med" len="med"/>
                     </a:lnB>
                   </a:tcPr>
                 </a:tc>
@@ -7469,26 +7763,50 @@
                     <a:lstStyle/>
                     <a:p>
                       <a:r>
-                        <a:rPr lang="en-IN" sz="2000" dirty="0" err="1">
+                        <a:rPr lang="en-IN" sz="1800" dirty="0" err="1">
                           <a:hlinkClick r:id="rId8"/>
                         </a:rPr>
                         <a:t>RedirectToRouteResult</a:t>
                       </a:r>
-                      <a:endParaRPr lang="en-IN" sz="2000" dirty="0"/>
+                      <a:endParaRPr lang="en-IN" sz="1800" dirty="0"/>
                     </a:p>
                   </a:txBody>
                   <a:tcPr marL="37284" marR="37284" marT="18642" marB="18642" anchor="ctr">
-                    <a:lnL>
-                      <a:noFill/>
+                    <a:lnL w="12700" cap="flat" cmpd="sng" algn="ctr">
+                      <a:solidFill>
+                        <a:schemeClr val="tx1"/>
+                      </a:solidFill>
+                      <a:prstDash val="solid"/>
+                      <a:round/>
+                      <a:headEnd type="none" w="med" len="med"/>
+                      <a:tailEnd type="none" w="med" len="med"/>
                     </a:lnL>
-                    <a:lnR>
-                      <a:noFill/>
+                    <a:lnR w="12700" cap="flat" cmpd="sng" algn="ctr">
+                      <a:solidFill>
+                        <a:schemeClr val="tx1"/>
+                      </a:solidFill>
+                      <a:prstDash val="solid"/>
+                      <a:round/>
+                      <a:headEnd type="none" w="med" len="med"/>
+                      <a:tailEnd type="none" w="med" len="med"/>
                     </a:lnR>
-                    <a:lnT>
-                      <a:noFill/>
+                    <a:lnT w="12700" cap="flat" cmpd="sng" algn="ctr">
+                      <a:solidFill>
+                        <a:schemeClr val="tx1"/>
+                      </a:solidFill>
+                      <a:prstDash val="solid"/>
+                      <a:round/>
+                      <a:headEnd type="none" w="med" len="med"/>
+                      <a:tailEnd type="none" w="med" len="med"/>
                     </a:lnT>
-                    <a:lnB>
-                      <a:noFill/>
+                    <a:lnB w="12700" cap="flat" cmpd="sng" algn="ctr">
+                      <a:solidFill>
+                        <a:schemeClr val="tx1"/>
+                      </a:solidFill>
+                      <a:prstDash val="solid"/>
+                      <a:round/>
+                      <a:headEnd type="none" w="med" len="med"/>
+                      <a:tailEnd type="none" w="med" len="med"/>
                     </a:lnB>
                   </a:tcPr>
                 </a:tc>
@@ -7498,35 +7816,59 @@
                     <a:lstStyle/>
                     <a:p>
                       <a:r>
-                        <a:rPr lang="en-IN" sz="2000" dirty="0" err="1">
+                        <a:rPr lang="en-IN" sz="1800" dirty="0" err="1">
                           <a:hlinkClick r:id="rId9"/>
                         </a:rPr>
                         <a:t>RedirectToAction</a:t>
                       </a:r>
-                      <a:endParaRPr lang="en-IN" sz="2000" dirty="0"/>
+                      <a:endParaRPr lang="en-IN" sz="1800" dirty="0"/>
                     </a:p>
                     <a:p>
                       <a:r>
-                        <a:rPr lang="en-IN" sz="2000" dirty="0" err="1">
+                        <a:rPr lang="en-IN" sz="1800" dirty="0" err="1">
                           <a:hlinkClick r:id="rId10"/>
                         </a:rPr>
                         <a:t>RedirectToRoute</a:t>
                       </a:r>
-                      <a:endParaRPr lang="en-IN" sz="2000" dirty="0"/>
+                      <a:endParaRPr lang="en-IN" sz="1800" dirty="0"/>
                     </a:p>
                   </a:txBody>
                   <a:tcPr marL="37284" marR="37284" marT="18642" marB="18642" anchor="ctr">
-                    <a:lnL>
-                      <a:noFill/>
+                    <a:lnL w="12700" cap="flat" cmpd="sng" algn="ctr">
+                      <a:solidFill>
+                        <a:schemeClr val="tx1"/>
+                      </a:solidFill>
+                      <a:prstDash val="solid"/>
+                      <a:round/>
+                      <a:headEnd type="none" w="med" len="med"/>
+                      <a:tailEnd type="none" w="med" len="med"/>
                     </a:lnL>
-                    <a:lnR>
-                      <a:noFill/>
+                    <a:lnR w="12700" cap="flat" cmpd="sng" algn="ctr">
+                      <a:solidFill>
+                        <a:schemeClr val="tx1"/>
+                      </a:solidFill>
+                      <a:prstDash val="solid"/>
+                      <a:round/>
+                      <a:headEnd type="none" w="med" len="med"/>
+                      <a:tailEnd type="none" w="med" len="med"/>
                     </a:lnR>
-                    <a:lnT>
-                      <a:noFill/>
+                    <a:lnT w="12700" cap="flat" cmpd="sng" algn="ctr">
+                      <a:solidFill>
+                        <a:schemeClr val="tx1"/>
+                      </a:solidFill>
+                      <a:prstDash val="solid"/>
+                      <a:round/>
+                      <a:headEnd type="none" w="med" len="med"/>
+                      <a:tailEnd type="none" w="med" len="med"/>
                     </a:lnT>
-                    <a:lnB>
-                      <a:noFill/>
+                    <a:lnB w="12700" cap="flat" cmpd="sng" algn="ctr">
+                      <a:solidFill>
+                        <a:schemeClr val="tx1"/>
+                      </a:solidFill>
+                      <a:prstDash val="solid"/>
+                      <a:round/>
+                      <a:headEnd type="none" w="med" len="med"/>
+                      <a:tailEnd type="none" w="med" len="med"/>
                     </a:lnB>
                   </a:tcPr>
                 </a:tc>
@@ -7542,17 +7884,41 @@
                     </a:p>
                   </a:txBody>
                   <a:tcPr marL="37284" marR="37284" marT="18642" marB="18642" anchor="ctr">
-                    <a:lnL>
-                      <a:noFill/>
+                    <a:lnL w="12700" cap="flat" cmpd="sng" algn="ctr">
+                      <a:solidFill>
+                        <a:schemeClr val="tx1"/>
+                      </a:solidFill>
+                      <a:prstDash val="solid"/>
+                      <a:round/>
+                      <a:headEnd type="none" w="med" len="med"/>
+                      <a:tailEnd type="none" w="med" len="med"/>
                     </a:lnL>
-                    <a:lnR>
-                      <a:noFill/>
+                    <a:lnR w="12700" cap="flat" cmpd="sng" algn="ctr">
+                      <a:solidFill>
+                        <a:schemeClr val="tx1"/>
+                      </a:solidFill>
+                      <a:prstDash val="solid"/>
+                      <a:round/>
+                      <a:headEnd type="none" w="med" len="med"/>
+                      <a:tailEnd type="none" w="med" len="med"/>
                     </a:lnR>
-                    <a:lnT>
-                      <a:noFill/>
+                    <a:lnT w="12700" cap="flat" cmpd="sng" algn="ctr">
+                      <a:solidFill>
+                        <a:schemeClr val="tx1"/>
+                      </a:solidFill>
+                      <a:prstDash val="solid"/>
+                      <a:round/>
+                      <a:headEnd type="none" w="med" len="med"/>
+                      <a:tailEnd type="none" w="med" len="med"/>
                     </a:lnT>
-                    <a:lnB>
-                      <a:noFill/>
+                    <a:lnB w="12700" cap="flat" cmpd="sng" algn="ctr">
+                      <a:solidFill>
+                        <a:schemeClr val="tx1"/>
+                      </a:solidFill>
+                      <a:prstDash val="solid"/>
+                      <a:round/>
+                      <a:headEnd type="none" w="med" len="med"/>
+                      <a:tailEnd type="none" w="med" len="med"/>
                     </a:lnB>
                   </a:tcPr>
                 </a:tc>
@@ -7564,26 +7930,50 @@
                     <a:lstStyle/>
                     <a:p>
                       <a:r>
-                        <a:rPr lang="en-IN" sz="2000" dirty="0" err="1">
+                        <a:rPr lang="en-IN" sz="1800" dirty="0" err="1">
                           <a:hlinkClick r:id="rId11"/>
                         </a:rPr>
                         <a:t>ContentResult</a:t>
                       </a:r>
-                      <a:endParaRPr lang="en-IN" sz="2000" dirty="0"/>
+                      <a:endParaRPr lang="en-IN" sz="1800" dirty="0"/>
                     </a:p>
                   </a:txBody>
                   <a:tcPr marL="37284" marR="37284" marT="18642" marB="18642" anchor="ctr">
-                    <a:lnL>
-                      <a:noFill/>
+                    <a:lnL w="12700" cap="flat" cmpd="sng" algn="ctr">
+                      <a:solidFill>
+                        <a:schemeClr val="tx1"/>
+                      </a:solidFill>
+                      <a:prstDash val="solid"/>
+                      <a:round/>
+                      <a:headEnd type="none" w="med" len="med"/>
+                      <a:tailEnd type="none" w="med" len="med"/>
                     </a:lnL>
-                    <a:lnR>
-                      <a:noFill/>
+                    <a:lnR w="12700" cap="flat" cmpd="sng" algn="ctr">
+                      <a:solidFill>
+                        <a:schemeClr val="tx1"/>
+                      </a:solidFill>
+                      <a:prstDash val="solid"/>
+                      <a:round/>
+                      <a:headEnd type="none" w="med" len="med"/>
+                      <a:tailEnd type="none" w="med" len="med"/>
                     </a:lnR>
-                    <a:lnT>
-                      <a:noFill/>
+                    <a:lnT w="12700" cap="flat" cmpd="sng" algn="ctr">
+                      <a:solidFill>
+                        <a:schemeClr val="tx1"/>
+                      </a:solidFill>
+                      <a:prstDash val="solid"/>
+                      <a:round/>
+                      <a:headEnd type="none" w="med" len="med"/>
+                      <a:tailEnd type="none" w="med" len="med"/>
                     </a:lnT>
-                    <a:lnB>
-                      <a:noFill/>
+                    <a:lnB w="12700" cap="flat" cmpd="sng" algn="ctr">
+                      <a:solidFill>
+                        <a:schemeClr val="tx1"/>
+                      </a:solidFill>
+                      <a:prstDash val="solid"/>
+                      <a:round/>
+                      <a:headEnd type="none" w="med" len="med"/>
+                      <a:tailEnd type="none" w="med" len="med"/>
                     </a:lnB>
                   </a:tcPr>
                 </a:tc>
@@ -7593,26 +7983,50 @@
                     <a:lstStyle/>
                     <a:p>
                       <a:r>
-                        <a:rPr lang="en-IN" sz="2000" dirty="0">
+                        <a:rPr lang="en-IN" sz="1800" dirty="0">
                           <a:hlinkClick r:id="rId12"/>
                         </a:rPr>
                         <a:t>Content</a:t>
                       </a:r>
-                      <a:endParaRPr lang="en-IN" sz="2000" dirty="0"/>
+                      <a:endParaRPr lang="en-IN" sz="1800" dirty="0"/>
                     </a:p>
                   </a:txBody>
                   <a:tcPr marL="37284" marR="37284" marT="18642" marB="18642" anchor="ctr">
-                    <a:lnL>
-                      <a:noFill/>
+                    <a:lnL w="12700" cap="flat" cmpd="sng" algn="ctr">
+                      <a:solidFill>
+                        <a:schemeClr val="tx1"/>
+                      </a:solidFill>
+                      <a:prstDash val="solid"/>
+                      <a:round/>
+                      <a:headEnd type="none" w="med" len="med"/>
+                      <a:tailEnd type="none" w="med" len="med"/>
                     </a:lnL>
-                    <a:lnR>
-                      <a:noFill/>
+                    <a:lnR w="12700" cap="flat" cmpd="sng" algn="ctr">
+                      <a:solidFill>
+                        <a:schemeClr val="tx1"/>
+                      </a:solidFill>
+                      <a:prstDash val="solid"/>
+                      <a:round/>
+                      <a:headEnd type="none" w="med" len="med"/>
+                      <a:tailEnd type="none" w="med" len="med"/>
                     </a:lnR>
-                    <a:lnT>
-                      <a:noFill/>
+                    <a:lnT w="12700" cap="flat" cmpd="sng" algn="ctr">
+                      <a:solidFill>
+                        <a:schemeClr val="tx1"/>
+                      </a:solidFill>
+                      <a:prstDash val="solid"/>
+                      <a:round/>
+                      <a:headEnd type="none" w="med" len="med"/>
+                      <a:tailEnd type="none" w="med" len="med"/>
                     </a:lnT>
-                    <a:lnB>
-                      <a:noFill/>
+                    <a:lnB w="12700" cap="flat" cmpd="sng" algn="ctr">
+                      <a:solidFill>
+                        <a:schemeClr val="tx1"/>
+                      </a:solidFill>
+                      <a:prstDash val="solid"/>
+                      <a:round/>
+                      <a:headEnd type="none" w="med" len="med"/>
+                      <a:tailEnd type="none" w="med" len="med"/>
                     </a:lnB>
                   </a:tcPr>
                 </a:tc>
@@ -7628,17 +8042,41 @@
                     </a:p>
                   </a:txBody>
                   <a:tcPr marL="37284" marR="37284" marT="18642" marB="18642" anchor="ctr">
-                    <a:lnL>
-                      <a:noFill/>
+                    <a:lnL w="12700" cap="flat" cmpd="sng" algn="ctr">
+                      <a:solidFill>
+                        <a:schemeClr val="tx1"/>
+                      </a:solidFill>
+                      <a:prstDash val="solid"/>
+                      <a:round/>
+                      <a:headEnd type="none" w="med" len="med"/>
+                      <a:tailEnd type="none" w="med" len="med"/>
                     </a:lnL>
-                    <a:lnR>
-                      <a:noFill/>
+                    <a:lnR w="12700" cap="flat" cmpd="sng" algn="ctr">
+                      <a:solidFill>
+                        <a:schemeClr val="tx1"/>
+                      </a:solidFill>
+                      <a:prstDash val="solid"/>
+                      <a:round/>
+                      <a:headEnd type="none" w="med" len="med"/>
+                      <a:tailEnd type="none" w="med" len="med"/>
                     </a:lnR>
-                    <a:lnT>
-                      <a:noFill/>
+                    <a:lnT w="12700" cap="flat" cmpd="sng" algn="ctr">
+                      <a:solidFill>
+                        <a:schemeClr val="tx1"/>
+                      </a:solidFill>
+                      <a:prstDash val="solid"/>
+                      <a:round/>
+                      <a:headEnd type="none" w="med" len="med"/>
+                      <a:tailEnd type="none" w="med" len="med"/>
                     </a:lnT>
-                    <a:lnB>
-                      <a:noFill/>
+                    <a:lnB w="12700" cap="flat" cmpd="sng" algn="ctr">
+                      <a:solidFill>
+                        <a:schemeClr val="tx1"/>
+                      </a:solidFill>
+                      <a:prstDash val="solid"/>
+                      <a:round/>
+                      <a:headEnd type="none" w="med" len="med"/>
+                      <a:tailEnd type="none" w="med" len="med"/>
                     </a:lnB>
                   </a:tcPr>
                 </a:tc>
@@ -7650,26 +8088,50 @@
                     <a:lstStyle/>
                     <a:p>
                       <a:r>
-                        <a:rPr lang="en-IN" sz="2000" dirty="0" err="1">
+                        <a:rPr lang="en-IN" sz="1800" dirty="0" err="1">
                           <a:hlinkClick r:id="rId13"/>
                         </a:rPr>
                         <a:t>JsonResult</a:t>
                       </a:r>
-                      <a:endParaRPr lang="en-IN" sz="2000" dirty="0"/>
+                      <a:endParaRPr lang="en-IN" sz="1800" dirty="0"/>
                     </a:p>
                   </a:txBody>
                   <a:tcPr marL="37284" marR="37284" marT="18642" marB="18642" anchor="ctr">
-                    <a:lnL>
-                      <a:noFill/>
+                    <a:lnL w="12700" cap="flat" cmpd="sng" algn="ctr">
+                      <a:solidFill>
+                        <a:schemeClr val="tx1"/>
+                      </a:solidFill>
+                      <a:prstDash val="solid"/>
+                      <a:round/>
+                      <a:headEnd type="none" w="med" len="med"/>
+                      <a:tailEnd type="none" w="med" len="med"/>
                     </a:lnL>
-                    <a:lnR>
-                      <a:noFill/>
+                    <a:lnR w="12700" cap="flat" cmpd="sng" algn="ctr">
+                      <a:solidFill>
+                        <a:schemeClr val="tx1"/>
+                      </a:solidFill>
+                      <a:prstDash val="solid"/>
+                      <a:round/>
+                      <a:headEnd type="none" w="med" len="med"/>
+                      <a:tailEnd type="none" w="med" len="med"/>
                     </a:lnR>
-                    <a:lnT>
-                      <a:noFill/>
+                    <a:lnT w="12700" cap="flat" cmpd="sng" algn="ctr">
+                      <a:solidFill>
+                        <a:schemeClr val="tx1"/>
+                      </a:solidFill>
+                      <a:prstDash val="solid"/>
+                      <a:round/>
+                      <a:headEnd type="none" w="med" len="med"/>
+                      <a:tailEnd type="none" w="med" len="med"/>
                     </a:lnT>
-                    <a:lnB>
-                      <a:noFill/>
+                    <a:lnB w="12700" cap="flat" cmpd="sng" algn="ctr">
+                      <a:solidFill>
+                        <a:schemeClr val="tx1"/>
+                      </a:solidFill>
+                      <a:prstDash val="solid"/>
+                      <a:round/>
+                      <a:headEnd type="none" w="med" len="med"/>
+                      <a:tailEnd type="none" w="med" len="med"/>
                     </a:lnB>
                   </a:tcPr>
                 </a:tc>
@@ -7679,26 +8141,50 @@
                     <a:lstStyle/>
                     <a:p>
                       <a:r>
-                        <a:rPr lang="en-IN" sz="2000" dirty="0" err="1">
+                        <a:rPr lang="en-IN" sz="1800" dirty="0" err="1">
                           <a:hlinkClick r:id="rId14"/>
                         </a:rPr>
                         <a:t>Json</a:t>
                       </a:r>
-                      <a:endParaRPr lang="en-IN" sz="2000" dirty="0"/>
+                      <a:endParaRPr lang="en-IN" sz="1800" dirty="0"/>
                     </a:p>
                   </a:txBody>
                   <a:tcPr marL="37284" marR="37284" marT="18642" marB="18642" anchor="ctr">
-                    <a:lnL>
-                      <a:noFill/>
+                    <a:lnL w="12700" cap="flat" cmpd="sng" algn="ctr">
+                      <a:solidFill>
+                        <a:schemeClr val="tx1"/>
+                      </a:solidFill>
+                      <a:prstDash val="solid"/>
+                      <a:round/>
+                      <a:headEnd type="none" w="med" len="med"/>
+                      <a:tailEnd type="none" w="med" len="med"/>
                     </a:lnL>
-                    <a:lnR>
-                      <a:noFill/>
+                    <a:lnR w="12700" cap="flat" cmpd="sng" algn="ctr">
+                      <a:solidFill>
+                        <a:schemeClr val="tx1"/>
+                      </a:solidFill>
+                      <a:prstDash val="solid"/>
+                      <a:round/>
+                      <a:headEnd type="none" w="med" len="med"/>
+                      <a:tailEnd type="none" w="med" len="med"/>
                     </a:lnR>
-                    <a:lnT>
-                      <a:noFill/>
+                    <a:lnT w="12700" cap="flat" cmpd="sng" algn="ctr">
+                      <a:solidFill>
+                        <a:schemeClr val="tx1"/>
+                      </a:solidFill>
+                      <a:prstDash val="solid"/>
+                      <a:round/>
+                      <a:headEnd type="none" w="med" len="med"/>
+                      <a:tailEnd type="none" w="med" len="med"/>
                     </a:lnT>
-                    <a:lnB>
-                      <a:noFill/>
+                    <a:lnB w="12700" cap="flat" cmpd="sng" algn="ctr">
+                      <a:solidFill>
+                        <a:schemeClr val="tx1"/>
+                      </a:solidFill>
+                      <a:prstDash val="solid"/>
+                      <a:round/>
+                      <a:headEnd type="none" w="med" len="med"/>
+                      <a:tailEnd type="none" w="med" len="med"/>
                     </a:lnB>
                   </a:tcPr>
                 </a:tc>
@@ -7714,17 +8200,41 @@
                     </a:p>
                   </a:txBody>
                   <a:tcPr marL="37284" marR="37284" marT="18642" marB="18642" anchor="ctr">
-                    <a:lnL>
-                      <a:noFill/>
+                    <a:lnL w="12700" cap="flat" cmpd="sng" algn="ctr">
+                      <a:solidFill>
+                        <a:schemeClr val="tx1"/>
+                      </a:solidFill>
+                      <a:prstDash val="solid"/>
+                      <a:round/>
+                      <a:headEnd type="none" w="med" len="med"/>
+                      <a:tailEnd type="none" w="med" len="med"/>
                     </a:lnL>
-                    <a:lnR>
-                      <a:noFill/>
+                    <a:lnR w="12700" cap="flat" cmpd="sng" algn="ctr">
+                      <a:solidFill>
+                        <a:schemeClr val="tx1"/>
+                      </a:solidFill>
+                      <a:prstDash val="solid"/>
+                      <a:round/>
+                      <a:headEnd type="none" w="med" len="med"/>
+                      <a:tailEnd type="none" w="med" len="med"/>
                     </a:lnR>
-                    <a:lnT>
-                      <a:noFill/>
+                    <a:lnT w="12700" cap="flat" cmpd="sng" algn="ctr">
+                      <a:solidFill>
+                        <a:schemeClr val="tx1"/>
+                      </a:solidFill>
+                      <a:prstDash val="solid"/>
+                      <a:round/>
+                      <a:headEnd type="none" w="med" len="med"/>
+                      <a:tailEnd type="none" w="med" len="med"/>
                     </a:lnT>
-                    <a:lnB>
-                      <a:noFill/>
+                    <a:lnB w="12700" cap="flat" cmpd="sng" algn="ctr">
+                      <a:solidFill>
+                        <a:schemeClr val="tx1"/>
+                      </a:solidFill>
+                      <a:prstDash val="solid"/>
+                      <a:round/>
+                      <a:headEnd type="none" w="med" len="med"/>
+                      <a:tailEnd type="none" w="med" len="med"/>
                     </a:lnB>
                   </a:tcPr>
                 </a:tc>
@@ -7736,26 +8246,50 @@
                     <a:lstStyle/>
                     <a:p>
                       <a:r>
-                        <a:rPr lang="en-IN" sz="2000" dirty="0" err="1">
+                        <a:rPr lang="en-IN" sz="1800" dirty="0" err="1">
                           <a:hlinkClick r:id="rId15"/>
                         </a:rPr>
                         <a:t>JavaScriptResult</a:t>
                       </a:r>
-                      <a:endParaRPr lang="en-IN" sz="2000" dirty="0"/>
+                      <a:endParaRPr lang="en-IN" sz="1800" dirty="0"/>
                     </a:p>
                   </a:txBody>
                   <a:tcPr marL="37284" marR="37284" marT="18642" marB="18642" anchor="ctr">
-                    <a:lnL>
-                      <a:noFill/>
+                    <a:lnL w="12700" cap="flat" cmpd="sng" algn="ctr">
+                      <a:solidFill>
+                        <a:schemeClr val="tx1"/>
+                      </a:solidFill>
+                      <a:prstDash val="solid"/>
+                      <a:round/>
+                      <a:headEnd type="none" w="med" len="med"/>
+                      <a:tailEnd type="none" w="med" len="med"/>
                     </a:lnL>
-                    <a:lnR>
-                      <a:noFill/>
+                    <a:lnR w="12700" cap="flat" cmpd="sng" algn="ctr">
+                      <a:solidFill>
+                        <a:schemeClr val="tx1"/>
+                      </a:solidFill>
+                      <a:prstDash val="solid"/>
+                      <a:round/>
+                      <a:headEnd type="none" w="med" len="med"/>
+                      <a:tailEnd type="none" w="med" len="med"/>
                     </a:lnR>
-                    <a:lnT>
-                      <a:noFill/>
+                    <a:lnT w="12700" cap="flat" cmpd="sng" algn="ctr">
+                      <a:solidFill>
+                        <a:schemeClr val="tx1"/>
+                      </a:solidFill>
+                      <a:prstDash val="solid"/>
+                      <a:round/>
+                      <a:headEnd type="none" w="med" len="med"/>
+                      <a:tailEnd type="none" w="med" len="med"/>
                     </a:lnT>
-                    <a:lnB>
-                      <a:noFill/>
+                    <a:lnB w="12700" cap="flat" cmpd="sng" algn="ctr">
+                      <a:solidFill>
+                        <a:schemeClr val="tx1"/>
+                      </a:solidFill>
+                      <a:prstDash val="solid"/>
+                      <a:round/>
+                      <a:headEnd type="none" w="med" len="med"/>
+                      <a:tailEnd type="none" w="med" len="med"/>
                     </a:lnB>
                   </a:tcPr>
                 </a:tc>
@@ -7765,26 +8299,50 @@
                     <a:lstStyle/>
                     <a:p>
                       <a:r>
-                        <a:rPr lang="en-IN" sz="2000" dirty="0">
+                        <a:rPr lang="en-IN" sz="1800" dirty="0">
                           <a:hlinkClick r:id="rId16"/>
                         </a:rPr>
                         <a:t>JavaScript</a:t>
                       </a:r>
-                      <a:endParaRPr lang="en-IN" sz="2000" dirty="0"/>
+                      <a:endParaRPr lang="en-IN" sz="1800" dirty="0"/>
                     </a:p>
                   </a:txBody>
                   <a:tcPr marL="37284" marR="37284" marT="18642" marB="18642" anchor="ctr">
-                    <a:lnL>
-                      <a:noFill/>
+                    <a:lnL w="12700" cap="flat" cmpd="sng" algn="ctr">
+                      <a:solidFill>
+                        <a:schemeClr val="tx1"/>
+                      </a:solidFill>
+                      <a:prstDash val="solid"/>
+                      <a:round/>
+                      <a:headEnd type="none" w="med" len="med"/>
+                      <a:tailEnd type="none" w="med" len="med"/>
                     </a:lnL>
-                    <a:lnR>
-                      <a:noFill/>
+                    <a:lnR w="12700" cap="flat" cmpd="sng" algn="ctr">
+                      <a:solidFill>
+                        <a:schemeClr val="tx1"/>
+                      </a:solidFill>
+                      <a:prstDash val="solid"/>
+                      <a:round/>
+                      <a:headEnd type="none" w="med" len="med"/>
+                      <a:tailEnd type="none" w="med" len="med"/>
                     </a:lnR>
-                    <a:lnT>
-                      <a:noFill/>
+                    <a:lnT w="12700" cap="flat" cmpd="sng" algn="ctr">
+                      <a:solidFill>
+                        <a:schemeClr val="tx1"/>
+                      </a:solidFill>
+                      <a:prstDash val="solid"/>
+                      <a:round/>
+                      <a:headEnd type="none" w="med" len="med"/>
+                      <a:tailEnd type="none" w="med" len="med"/>
                     </a:lnT>
-                    <a:lnB>
-                      <a:noFill/>
+                    <a:lnB w="12700" cap="flat" cmpd="sng" algn="ctr">
+                      <a:solidFill>
+                        <a:schemeClr val="tx1"/>
+                      </a:solidFill>
+                      <a:prstDash val="solid"/>
+                      <a:round/>
+                      <a:headEnd type="none" w="med" len="med"/>
+                      <a:tailEnd type="none" w="med" len="med"/>
                     </a:lnB>
                   </a:tcPr>
                 </a:tc>
@@ -7800,17 +8358,41 @@
                     </a:p>
                   </a:txBody>
                   <a:tcPr marL="37284" marR="37284" marT="18642" marB="18642" anchor="ctr">
-                    <a:lnL>
-                      <a:noFill/>
+                    <a:lnL w="12700" cap="flat" cmpd="sng" algn="ctr">
+                      <a:solidFill>
+                        <a:schemeClr val="tx1"/>
+                      </a:solidFill>
+                      <a:prstDash val="solid"/>
+                      <a:round/>
+                      <a:headEnd type="none" w="med" len="med"/>
+                      <a:tailEnd type="none" w="med" len="med"/>
                     </a:lnL>
-                    <a:lnR>
-                      <a:noFill/>
+                    <a:lnR w="12700" cap="flat" cmpd="sng" algn="ctr">
+                      <a:solidFill>
+                        <a:schemeClr val="tx1"/>
+                      </a:solidFill>
+                      <a:prstDash val="solid"/>
+                      <a:round/>
+                      <a:headEnd type="none" w="med" len="med"/>
+                      <a:tailEnd type="none" w="med" len="med"/>
                     </a:lnR>
-                    <a:lnT>
-                      <a:noFill/>
+                    <a:lnT w="12700" cap="flat" cmpd="sng" algn="ctr">
+                      <a:solidFill>
+                        <a:schemeClr val="tx1"/>
+                      </a:solidFill>
+                      <a:prstDash val="solid"/>
+                      <a:round/>
+                      <a:headEnd type="none" w="med" len="med"/>
+                      <a:tailEnd type="none" w="med" len="med"/>
                     </a:lnT>
-                    <a:lnB>
-                      <a:noFill/>
+                    <a:lnB w="12700" cap="flat" cmpd="sng" algn="ctr">
+                      <a:solidFill>
+                        <a:schemeClr val="tx1"/>
+                      </a:solidFill>
+                      <a:prstDash val="solid"/>
+                      <a:round/>
+                      <a:headEnd type="none" w="med" len="med"/>
+                      <a:tailEnd type="none" w="med" len="med"/>
                     </a:lnB>
                   </a:tcPr>
                 </a:tc>
@@ -7822,26 +8404,50 @@
                     <a:lstStyle/>
                     <a:p>
                       <a:r>
-                        <a:rPr lang="en-IN" sz="2000" dirty="0" err="1">
+                        <a:rPr lang="en-IN" sz="1800" dirty="0" err="1">
                           <a:hlinkClick r:id="rId17"/>
                         </a:rPr>
                         <a:t>FileResult</a:t>
                       </a:r>
-                      <a:endParaRPr lang="en-IN" sz="2000" dirty="0"/>
+                      <a:endParaRPr lang="en-IN" sz="1800" dirty="0"/>
                     </a:p>
                   </a:txBody>
                   <a:tcPr marL="37284" marR="37284" marT="18642" marB="18642" anchor="ctr">
-                    <a:lnL>
-                      <a:noFill/>
+                    <a:lnL w="12700" cap="flat" cmpd="sng" algn="ctr">
+                      <a:solidFill>
+                        <a:schemeClr val="tx1"/>
+                      </a:solidFill>
+                      <a:prstDash val="solid"/>
+                      <a:round/>
+                      <a:headEnd type="none" w="med" len="med"/>
+                      <a:tailEnd type="none" w="med" len="med"/>
                     </a:lnL>
-                    <a:lnR>
-                      <a:noFill/>
+                    <a:lnR w="12700" cap="flat" cmpd="sng" algn="ctr">
+                      <a:solidFill>
+                        <a:schemeClr val="tx1"/>
+                      </a:solidFill>
+                      <a:prstDash val="solid"/>
+                      <a:round/>
+                      <a:headEnd type="none" w="med" len="med"/>
+                      <a:tailEnd type="none" w="med" len="med"/>
                     </a:lnR>
-                    <a:lnT>
-                      <a:noFill/>
+                    <a:lnT w="12700" cap="flat" cmpd="sng" algn="ctr">
+                      <a:solidFill>
+                        <a:schemeClr val="tx1"/>
+                      </a:solidFill>
+                      <a:prstDash val="solid"/>
+                      <a:round/>
+                      <a:headEnd type="none" w="med" len="med"/>
+                      <a:tailEnd type="none" w="med" len="med"/>
                     </a:lnT>
-                    <a:lnB>
-                      <a:noFill/>
+                    <a:lnB w="12700" cap="flat" cmpd="sng" algn="ctr">
+                      <a:solidFill>
+                        <a:schemeClr val="tx1"/>
+                      </a:solidFill>
+                      <a:prstDash val="solid"/>
+                      <a:round/>
+                      <a:headEnd type="none" w="med" len="med"/>
+                      <a:tailEnd type="none" w="med" len="med"/>
                     </a:lnB>
                   </a:tcPr>
                 </a:tc>
@@ -7851,26 +8457,50 @@
                     <a:lstStyle/>
                     <a:p>
                       <a:r>
-                        <a:rPr lang="en-IN" sz="2000" dirty="0">
+                        <a:rPr lang="en-IN" sz="1800" dirty="0">
                           <a:hlinkClick r:id="rId18"/>
                         </a:rPr>
                         <a:t>File</a:t>
                       </a:r>
-                      <a:endParaRPr lang="en-IN" sz="2000" dirty="0"/>
+                      <a:endParaRPr lang="en-IN" sz="1800" dirty="0"/>
                     </a:p>
                   </a:txBody>
                   <a:tcPr marL="37284" marR="37284" marT="18642" marB="18642" anchor="ctr">
-                    <a:lnL>
-                      <a:noFill/>
+                    <a:lnL w="12700" cap="flat" cmpd="sng" algn="ctr">
+                      <a:solidFill>
+                        <a:schemeClr val="tx1"/>
+                      </a:solidFill>
+                      <a:prstDash val="solid"/>
+                      <a:round/>
+                      <a:headEnd type="none" w="med" len="med"/>
+                      <a:tailEnd type="none" w="med" len="med"/>
                     </a:lnL>
-                    <a:lnR>
-                      <a:noFill/>
+                    <a:lnR w="12700" cap="flat" cmpd="sng" algn="ctr">
+                      <a:solidFill>
+                        <a:schemeClr val="tx1"/>
+                      </a:solidFill>
+                      <a:prstDash val="solid"/>
+                      <a:round/>
+                      <a:headEnd type="none" w="med" len="med"/>
+                      <a:tailEnd type="none" w="med" len="med"/>
                     </a:lnR>
-                    <a:lnT>
-                      <a:noFill/>
+                    <a:lnT w="12700" cap="flat" cmpd="sng" algn="ctr">
+                      <a:solidFill>
+                        <a:schemeClr val="tx1"/>
+                      </a:solidFill>
+                      <a:prstDash val="solid"/>
+                      <a:round/>
+                      <a:headEnd type="none" w="med" len="med"/>
+                      <a:tailEnd type="none" w="med" len="med"/>
                     </a:lnT>
-                    <a:lnB>
-                      <a:noFill/>
+                    <a:lnB w="12700" cap="flat" cmpd="sng" algn="ctr">
+                      <a:solidFill>
+                        <a:schemeClr val="tx1"/>
+                      </a:solidFill>
+                      <a:prstDash val="solid"/>
+                      <a:round/>
+                      <a:headEnd type="none" w="med" len="med"/>
+                      <a:tailEnd type="none" w="med" len="med"/>
                     </a:lnB>
                   </a:tcPr>
                 </a:tc>
@@ -7886,17 +8516,41 @@
                     </a:p>
                   </a:txBody>
                   <a:tcPr marL="37284" marR="37284" marT="18642" marB="18642" anchor="ctr">
-                    <a:lnL>
-                      <a:noFill/>
+                    <a:lnL w="12700" cap="flat" cmpd="sng" algn="ctr">
+                      <a:solidFill>
+                        <a:schemeClr val="tx1"/>
+                      </a:solidFill>
+                      <a:prstDash val="solid"/>
+                      <a:round/>
+                      <a:headEnd type="none" w="med" len="med"/>
+                      <a:tailEnd type="none" w="med" len="med"/>
                     </a:lnL>
-                    <a:lnR>
-                      <a:noFill/>
+                    <a:lnR w="12700" cap="flat" cmpd="sng" algn="ctr">
+                      <a:solidFill>
+                        <a:schemeClr val="tx1"/>
+                      </a:solidFill>
+                      <a:prstDash val="solid"/>
+                      <a:round/>
+                      <a:headEnd type="none" w="med" len="med"/>
+                      <a:tailEnd type="none" w="med" len="med"/>
                     </a:lnR>
-                    <a:lnT>
-                      <a:noFill/>
+                    <a:lnT w="12700" cap="flat" cmpd="sng" algn="ctr">
+                      <a:solidFill>
+                        <a:schemeClr val="tx1"/>
+                      </a:solidFill>
+                      <a:prstDash val="solid"/>
+                      <a:round/>
+                      <a:headEnd type="none" w="med" len="med"/>
+                      <a:tailEnd type="none" w="med" len="med"/>
                     </a:lnT>
-                    <a:lnB>
-                      <a:noFill/>
+                    <a:lnB w="12700" cap="flat" cmpd="sng" algn="ctr">
+                      <a:solidFill>
+                        <a:schemeClr val="tx1"/>
+                      </a:solidFill>
+                      <a:prstDash val="solid"/>
+                      <a:round/>
+                      <a:headEnd type="none" w="med" len="med"/>
+                      <a:tailEnd type="none" w="med" len="med"/>
                     </a:lnB>
                   </a:tcPr>
                 </a:tc>
@@ -7908,26 +8562,100 @@
                     <a:lstStyle/>
                     <a:p>
                       <a:r>
-                        <a:rPr lang="en-IN" sz="2000" dirty="0" err="1">
+                        <a:rPr lang="en-IN" sz="1800" dirty="0" err="1">
                           <a:hlinkClick r:id="rId19"/>
                         </a:rPr>
                         <a:t>EmptyResult</a:t>
                       </a:r>
-                      <a:endParaRPr lang="en-IN" sz="2000" dirty="0"/>
+                      <a:endParaRPr lang="en-IN" sz="1800" dirty="0"/>
                     </a:p>
                   </a:txBody>
                   <a:tcPr marL="37284" marR="37284" marT="18642" marB="18642" anchor="ctr">
-                    <a:lnL>
-                      <a:noFill/>
+                    <a:lnL w="12700" cap="flat" cmpd="sng" algn="ctr">
+                      <a:solidFill>
+                        <a:schemeClr val="tx1"/>
+                      </a:solidFill>
+                      <a:prstDash val="solid"/>
+                      <a:round/>
+                      <a:headEnd type="none" w="med" len="med"/>
+                      <a:tailEnd type="none" w="med" len="med"/>
                     </a:lnL>
-                    <a:lnR>
-                      <a:noFill/>
+                    <a:lnR w="12700" cap="flat" cmpd="sng" algn="ctr">
+                      <a:solidFill>
+                        <a:schemeClr val="tx1"/>
+                      </a:solidFill>
+                      <a:prstDash val="solid"/>
+                      <a:round/>
+                      <a:headEnd type="none" w="med" len="med"/>
+                      <a:tailEnd type="none" w="med" len="med"/>
                     </a:lnR>
-                    <a:lnT>
-                      <a:noFill/>
+                    <a:lnT w="12700" cap="flat" cmpd="sng" algn="ctr">
+                      <a:solidFill>
+                        <a:schemeClr val="tx1"/>
+                      </a:solidFill>
+                      <a:prstDash val="solid"/>
+                      <a:round/>
+                      <a:headEnd type="none" w="med" len="med"/>
+                      <a:tailEnd type="none" w="med" len="med"/>
                     </a:lnT>
-                    <a:lnB>
-                      <a:noFill/>
+                    <a:lnB w="12700" cap="flat" cmpd="sng" algn="ctr">
+                      <a:solidFill>
+                        <a:schemeClr val="tx1"/>
+                      </a:solidFill>
+                      <a:prstDash val="solid"/>
+                      <a:round/>
+                      <a:headEnd type="none" w="med" len="med"/>
+                      <a:tailEnd type="none" w="med" len="med"/>
+                    </a:lnB>
+                  </a:tcPr>
+                </a:tc>
+                <a:tc>
+                  <a:txBody>
+                    <a:bodyPr/>
+                    <a:lstStyle/>
+                    <a:p>
+                      <a:r>
+                        <a:rPr lang="en-IN" sz="1800" dirty="0"/>
+                        <a:t>(None)</a:t>
+                      </a:r>
+                    </a:p>
+                  </a:txBody>
+                  <a:tcPr marL="37284" marR="37284" marT="18642" marB="18642" anchor="ctr">
+                    <a:lnL w="12700" cap="flat" cmpd="sng" algn="ctr">
+                      <a:solidFill>
+                        <a:schemeClr val="tx1"/>
+                      </a:solidFill>
+                      <a:prstDash val="solid"/>
+                      <a:round/>
+                      <a:headEnd type="none" w="med" len="med"/>
+                      <a:tailEnd type="none" w="med" len="med"/>
+                    </a:lnL>
+                    <a:lnR w="12700" cap="flat" cmpd="sng" algn="ctr">
+                      <a:solidFill>
+                        <a:schemeClr val="tx1"/>
+                      </a:solidFill>
+                      <a:prstDash val="solid"/>
+                      <a:round/>
+                      <a:headEnd type="none" w="med" len="med"/>
+                      <a:tailEnd type="none" w="med" len="med"/>
+                    </a:lnR>
+                    <a:lnT w="12700" cap="flat" cmpd="sng" algn="ctr">
+                      <a:solidFill>
+                        <a:schemeClr val="tx1"/>
+                      </a:solidFill>
+                      <a:prstDash val="solid"/>
+                      <a:round/>
+                      <a:headEnd type="none" w="med" len="med"/>
+                      <a:tailEnd type="none" w="med" len="med"/>
+                    </a:lnT>
+                    <a:lnB w="12700" cap="flat" cmpd="sng" algn="ctr">
+                      <a:solidFill>
+                        <a:schemeClr val="tx1"/>
+                      </a:solidFill>
+                      <a:prstDash val="solid"/>
+                      <a:round/>
+                      <a:headEnd type="none" w="med" len="med"/>
+                      <a:tailEnd type="none" w="med" len="med"/>
                     </a:lnB>
                   </a:tcPr>
                 </a:tc>
@@ -7938,48 +8666,51 @@
                     <a:p>
                       <a:r>
                         <a:rPr lang="en-IN" sz="2000" dirty="0"/>
-                        <a:t>(None)</a:t>
+                        <a:t>Represents a return value that is used if the action method must return a null </a:t>
                       </a:r>
+                      <a:r>
+                        <a:rPr lang="en-IN" sz="2000" dirty="0" smtClean="0"/>
+                        <a:t>result</a:t>
+                      </a:r>
+                      <a:endParaRPr lang="en-IN" sz="2000" dirty="0"/>
                     </a:p>
                   </a:txBody>
                   <a:tcPr marL="37284" marR="37284" marT="18642" marB="18642" anchor="ctr">
-                    <a:lnL>
-                      <a:noFill/>
+                    <a:lnL w="12700" cap="flat" cmpd="sng" algn="ctr">
+                      <a:solidFill>
+                        <a:schemeClr val="tx1"/>
+                      </a:solidFill>
+                      <a:prstDash val="solid"/>
+                      <a:round/>
+                      <a:headEnd type="none" w="med" len="med"/>
+                      <a:tailEnd type="none" w="med" len="med"/>
                     </a:lnL>
-                    <a:lnR>
-                      <a:noFill/>
+                    <a:lnR w="12700" cap="flat" cmpd="sng" algn="ctr">
+                      <a:solidFill>
+                        <a:schemeClr val="tx1"/>
+                      </a:solidFill>
+                      <a:prstDash val="solid"/>
+                      <a:round/>
+                      <a:headEnd type="none" w="med" len="med"/>
+                      <a:tailEnd type="none" w="med" len="med"/>
                     </a:lnR>
-                    <a:lnT>
-                      <a:noFill/>
+                    <a:lnT w="12700" cap="flat" cmpd="sng" algn="ctr">
+                      <a:solidFill>
+                        <a:schemeClr val="tx1"/>
+                      </a:solidFill>
+                      <a:prstDash val="solid"/>
+                      <a:round/>
+                      <a:headEnd type="none" w="med" len="med"/>
+                      <a:tailEnd type="none" w="med" len="med"/>
                     </a:lnT>
-                    <a:lnB>
-                      <a:noFill/>
-                    </a:lnB>
-                  </a:tcPr>
-                </a:tc>
-                <a:tc>
-                  <a:txBody>
-                    <a:bodyPr/>
-                    <a:lstStyle/>
-                    <a:p>
-                      <a:r>
-                        <a:rPr lang="en-IN" sz="2000" dirty="0"/>
-                        <a:t>Represents a return value that is used if the action method must return a null result (void).</a:t>
-                      </a:r>
-                    </a:p>
-                  </a:txBody>
-                  <a:tcPr marL="37284" marR="37284" marT="18642" marB="18642" anchor="ctr">
-                    <a:lnL>
-                      <a:noFill/>
-                    </a:lnL>
-                    <a:lnR>
-                      <a:noFill/>
-                    </a:lnR>
-                    <a:lnT>
-                      <a:noFill/>
-                    </a:lnT>
-                    <a:lnB>
-                      <a:noFill/>
+                    <a:lnB w="12700" cap="flat" cmpd="sng" algn="ctr">
+                      <a:solidFill>
+                        <a:schemeClr val="tx1"/>
+                      </a:solidFill>
+                      <a:prstDash val="solid"/>
+                      <a:round/>
+                      <a:headEnd type="none" w="med" len="med"/>
+                      <a:tailEnd type="none" w="med" len="med"/>
                     </a:lnB>
                   </a:tcPr>
                 </a:tc>
@@ -8056,8 +8787,8 @@
         </p:nvSpPr>
         <p:spPr>
           <a:xfrm>
-            <a:off x="457200" y="1371600"/>
-            <a:ext cx="8229600" cy="5486400"/>
+            <a:off x="685800" y="1371600"/>
+            <a:ext cx="8001000" cy="5486400"/>
           </a:xfrm>
         </p:spPr>
         <p:txBody>
@@ -8066,53 +8797,102 @@
           </a:bodyPr>
           <a:lstStyle/>
           <a:p>
-            <a:r>
-              <a:rPr lang="en-IN" dirty="0" smtClean="0"/>
+            <a:pPr>
+              <a:lnSpc>
+                <a:spcPct val="150000"/>
+              </a:lnSpc>
+            </a:pPr>
+            <a:r>
+              <a:rPr lang="en-IN" sz="2000" dirty="0" smtClean="0"/>
               <a:t>By default, the values for action method parameters are retrieved from the request's data collection. </a:t>
             </a:r>
           </a:p>
           <a:p>
-            <a:r>
-              <a:rPr lang="en-IN" dirty="0" smtClean="0"/>
-              <a:t>The data collection includes name/values pairs for form data, query string values, and cookie values.</a:t>
-            </a:r>
-          </a:p>
-          <a:p>
-            <a:r>
-              <a:rPr lang="en-IN" dirty="0" smtClean="0"/>
+            <a:pPr>
+              <a:lnSpc>
+                <a:spcPct val="150000"/>
+              </a:lnSpc>
+            </a:pPr>
+            <a:r>
+              <a:rPr lang="en-IN" sz="2000" dirty="0" smtClean="0"/>
+              <a:t>The data collection includes </a:t>
+            </a:r>
+            <a:r>
+              <a:rPr lang="en-IN" sz="2000" b="1" dirty="0" smtClean="0"/>
+              <a:t>name/values</a:t>
+            </a:r>
+            <a:r>
+              <a:rPr lang="en-IN" sz="2000" dirty="0" smtClean="0"/>
+              <a:t> pairs for </a:t>
+            </a:r>
+            <a:r>
+              <a:rPr lang="en-IN" sz="2000" b="1" dirty="0" smtClean="0"/>
+              <a:t>form data</a:t>
+            </a:r>
+            <a:r>
+              <a:rPr lang="en-IN" sz="2000" dirty="0" smtClean="0"/>
+              <a:t>, </a:t>
+            </a:r>
+            <a:r>
+              <a:rPr lang="en-IN" sz="2000" b="1" dirty="0" smtClean="0"/>
+              <a:t>query string values</a:t>
+            </a:r>
+            <a:r>
+              <a:rPr lang="en-IN" sz="2000" dirty="0" smtClean="0"/>
+              <a:t>, and </a:t>
+            </a:r>
+            <a:r>
+              <a:rPr lang="en-IN" sz="2000" b="1" dirty="0" smtClean="0"/>
+              <a:t>cookie values</a:t>
+            </a:r>
+            <a:r>
+              <a:rPr lang="en-IN" sz="2000" dirty="0" smtClean="0"/>
+              <a:t>.</a:t>
+            </a:r>
+          </a:p>
+          <a:p>
+            <a:pPr>
+              <a:lnSpc>
+                <a:spcPct val="150000"/>
+              </a:lnSpc>
+            </a:pPr>
+            <a:r>
+              <a:rPr lang="en-IN" sz="2000" dirty="0" smtClean="0"/>
               <a:t>The controller class locates the action method and determines any parameter values for the action method, based on the </a:t>
             </a:r>
             <a:r>
-              <a:rPr lang="en-IN" dirty="0" err="1" smtClean="0">
+              <a:rPr lang="en-IN" sz="2000" dirty="0" err="1" smtClean="0">
                 <a:hlinkClick r:id="rId3"/>
               </a:rPr>
               <a:t>RouteData</a:t>
             </a:r>
             <a:r>
-              <a:rPr lang="en-IN" dirty="0" smtClean="0"/>
+              <a:rPr lang="en-IN" sz="2000" dirty="0" smtClean="0"/>
               <a:t> instance and based on the form data. </a:t>
             </a:r>
           </a:p>
           <a:p>
-            <a:r>
-              <a:rPr lang="en-IN" dirty="0" smtClean="0"/>
-              <a:t>If the parameter value cannot be parsed, and if the type of the parameter is a reference type or a </a:t>
-            </a:r>
-            <a:r>
-              <a:rPr lang="en-IN" dirty="0" err="1" smtClean="0"/>
-              <a:t>nullable</a:t>
-            </a:r>
-            <a:r>
-              <a:rPr lang="en-IN" dirty="0" smtClean="0"/>
-              <a:t> value type, null is passed as the parameter value. </a:t>
-            </a:r>
-          </a:p>
-          <a:p>
-            <a:r>
-              <a:rPr lang="en-IN" dirty="0" smtClean="0"/>
+            <a:pPr>
+              <a:lnSpc>
+                <a:spcPct val="150000"/>
+              </a:lnSpc>
+            </a:pPr>
+            <a:r>
+              <a:rPr lang="en-IN" sz="2000" dirty="0" smtClean="0"/>
+              <a:t>If the parameter value cannot be parsed, and if the type of the parameter is a reference type or a nullable value type, null is passed as the parameter value. </a:t>
+            </a:r>
+          </a:p>
+          <a:p>
+            <a:pPr>
+              <a:lnSpc>
+                <a:spcPct val="150000"/>
+              </a:lnSpc>
+            </a:pPr>
+            <a:r>
+              <a:rPr lang="en-IN" sz="2000" dirty="0" smtClean="0"/>
               <a:t>Otherwise, an exception is thrown.</a:t>
             </a:r>
-            <a:endParaRPr lang="en-IN" dirty="0"/>
+            <a:endParaRPr lang="en-IN" sz="2000" dirty="0"/>
           </a:p>
         </p:txBody>
       </p:sp>
@@ -8259,7 +9039,7 @@
               <a:t> </a:t>
             </a:r>
             <a:r>
-              <a:rPr lang="en-IN" dirty="0" err="1" smtClean="0">
+              <a:rPr lang="en-IN" b="1" dirty="0" err="1" smtClean="0">
                 <a:solidFill>
                   <a:srgbClr val="7030A0"/>
                 </a:solidFill>
@@ -8272,7 +9052,7 @@
                   <a:srgbClr val="7030A0"/>
                 </a:solidFill>
               </a:rPr>
-              <a:t>(</a:t>
+              <a:t> (</a:t>
             </a:r>
             <a:r>
               <a:rPr lang="en-IN" dirty="0" err="1" smtClean="0">
@@ -8483,21 +9263,8 @@
             </a:pPr>
             <a:r>
               <a:rPr lang="en-IN" dirty="0" smtClean="0"/>
-              <a:t>In order to be exposed </a:t>
-            </a:r>
-            <a:r>
-              <a:rPr lang="en-IN" dirty="0" smtClean="0"/>
-              <a:t>as </a:t>
-            </a:r>
-            <a:r>
-              <a:rPr lang="en-IN" dirty="0" smtClean="0"/>
-              <a:t>an action, a method must </a:t>
-            </a:r>
-            <a:r>
-              <a:rPr lang="en-IN" dirty="0" smtClean="0"/>
-              <a:t>:</a:t>
-            </a:r>
-            <a:endParaRPr lang="en-IN" dirty="0" smtClean="0"/>
+              <a:t>In order to be exposed as an action, a method must :</a:t>
+            </a:r>
           </a:p>
           <a:p>
             <a:pPr marL="346075" indent="-342900">
@@ -8551,15 +9318,7 @@
                   <a:srgbClr val="FF0000"/>
                 </a:solidFill>
               </a:rPr>
-              <a:t>static </a:t>
-            </a:r>
-            <a:r>
-              <a:rPr lang="en-IN" b="1" dirty="0" smtClean="0">
-                <a:solidFill>
-                  <a:srgbClr val="FF0000"/>
-                </a:solidFill>
-              </a:rPr>
-              <a:t>method</a:t>
+              <a:t>static method</a:t>
             </a:r>
             <a:endParaRPr lang="en-IN" dirty="0" smtClean="0"/>
           </a:p>
@@ -8665,13 +9424,8 @@
             </a:r>
             <a:r>
               <a:rPr lang="en-IN" dirty="0" smtClean="0"/>
-              <a:t> </a:t>
-            </a:r>
-            <a:r>
-              <a:rPr lang="en-IN" dirty="0" smtClean="0"/>
-              <a:t>types</a:t>
-            </a:r>
-            <a:endParaRPr lang="en-IN" dirty="0" smtClean="0"/>
+              <a:t> types</a:t>
+            </a:r>
           </a:p>
           <a:p>
             <a:pPr marL="346075" indent="-342900">
@@ -8695,15 +9449,7 @@
             </a:r>
             <a:r>
               <a:rPr lang="en-IN" dirty="0" smtClean="0"/>
-              <a:t>method of the </a:t>
-            </a:r>
-            <a:r>
-              <a:rPr lang="en-IN" dirty="0" smtClean="0"/>
-              <a:t>base </a:t>
-            </a:r>
-            <a:r>
-              <a:rPr lang="en-IN" dirty="0" smtClean="0"/>
-              <a:t>class.</a:t>
+              <a:t>method of the base class.</a:t>
             </a:r>
           </a:p>
           <a:p>
@@ -8840,15 +9586,7 @@
             </a:r>
             <a:r>
               <a:rPr lang="en-IN" dirty="0" smtClean="0"/>
-              <a:t>on the return type of </a:t>
-            </a:r>
-            <a:r>
-              <a:rPr lang="en-IN" dirty="0" smtClean="0"/>
-              <a:t>an action</a:t>
-            </a:r>
-            <a:r>
-              <a:rPr lang="en-IN" dirty="0" smtClean="0"/>
-              <a:t>. </a:t>
+              <a:t>on the return type of an action. </a:t>
             </a:r>
           </a:p>
           <a:p>
@@ -8859,11 +9597,7 @@
             </a:pPr>
             <a:r>
               <a:rPr lang="en-IN" dirty="0" smtClean="0"/>
-              <a:t>An action </a:t>
-            </a:r>
-            <a:r>
-              <a:rPr lang="en-IN" dirty="0" smtClean="0"/>
-              <a:t>can return a </a:t>
+              <a:t>An action can return a </a:t>
             </a:r>
             <a:r>
               <a:rPr lang="en-IN" b="1" dirty="0" smtClean="0"/>
@@ -8879,15 +9613,7 @@
             </a:r>
             <a:r>
               <a:rPr lang="en-IN" dirty="0" smtClean="0"/>
-              <a:t>, an instance of </a:t>
-            </a:r>
-            <a:r>
-              <a:rPr lang="en-IN" dirty="0" smtClean="0"/>
-              <a:t>a Random </a:t>
-            </a:r>
-            <a:r>
-              <a:rPr lang="en-IN" dirty="0" smtClean="0"/>
-              <a:t>class, or </a:t>
+              <a:t>, an instance of a Random class, or </a:t>
             </a:r>
             <a:r>
               <a:rPr lang="en-IN" b="1" dirty="0" smtClean="0"/>
@@ -9144,7 +9870,11 @@
           <a:bodyPr/>
           <a:lstStyle/>
           <a:p>
-            <a:endParaRPr lang="en-US"/>
+            <a:r>
+              <a:rPr lang="en-US" dirty="0" smtClean="0"/>
+              <a:t>CORS</a:t>
+            </a:r>
+            <a:endParaRPr lang="en-US" dirty="0"/>
           </a:p>
         </p:txBody>
       </p:sp>
@@ -10472,13 +11202,13 @@
         </p:nvSpPr>
         <p:spPr>
           <a:xfrm>
-            <a:off x="304800" y="228600"/>
-            <a:ext cx="8610600" cy="6553200"/>
+            <a:off x="304800" y="838200"/>
+            <a:ext cx="8610600" cy="5791200"/>
           </a:xfrm>
         </p:spPr>
         <p:txBody>
           <a:bodyPr>
-            <a:normAutofit/>
+            <a:normAutofit fontScale="92500"/>
           </a:bodyPr>
           <a:lstStyle/>
           <a:p>
@@ -10533,21 +11263,8 @@
             </a:pPr>
             <a:r>
               <a:rPr lang="en-IN" sz="2400" dirty="0" smtClean="0"/>
-              <a:t>Providing the default </a:t>
-            </a:r>
-            <a:r>
-              <a:rPr lang="en-IN" sz="2400" dirty="0" smtClean="0"/>
-              <a:t>class </a:t>
-            </a:r>
-            <a:r>
-              <a:rPr lang="en-IN" sz="2400" dirty="0" smtClean="0"/>
-              <a:t>for rendering </a:t>
-            </a:r>
-            <a:r>
-              <a:rPr lang="en-IN" sz="2400" dirty="0" smtClean="0"/>
-              <a:t>views.</a:t>
-            </a:r>
-            <a:endParaRPr lang="en-IN" sz="2400" dirty="0" smtClean="0"/>
+              <a:t>Providing the default class for rendering views.</a:t>
+            </a:r>
           </a:p>
           <a:p>
             <a:pPr algn="ctr">
@@ -10639,8 +11356,8 @@
         </p:nvSpPr>
         <p:spPr>
           <a:xfrm>
-            <a:off x="457200" y="838200"/>
-            <a:ext cx="8534400" cy="5791200"/>
+            <a:off x="609600" y="838200"/>
+            <a:ext cx="8382000" cy="5791200"/>
           </a:xfrm>
         </p:spPr>
         <p:txBody>
@@ -10656,15 +11373,7 @@
             </a:pPr>
             <a:r>
               <a:rPr lang="en-IN" dirty="0" smtClean="0"/>
-              <a:t>The user interaction with </a:t>
-            </a:r>
-            <a:r>
-              <a:rPr lang="en-IN" dirty="0" smtClean="0"/>
-              <a:t>MVC </a:t>
-            </a:r>
-            <a:r>
-              <a:rPr lang="en-IN" dirty="0" smtClean="0"/>
-              <a:t>applications is organized around controllers and </a:t>
+              <a:t>The user interaction with MVC applications is organized around controllers and </a:t>
             </a:r>
             <a:r>
               <a:rPr lang="en-IN" b="1" dirty="0" smtClean="0"/>
@@ -10813,16 +11522,16 @@
               <a:t>The MVC application uses routing rules that are defined in the </a:t>
             </a:r>
             <a:r>
-              <a:rPr lang="en-IN" dirty="0" err="1" smtClean="0"/>
-              <a:t>Stratup.cs</a:t>
+              <a:rPr lang="en-IN" b="1" dirty="0" err="1" smtClean="0"/>
+              <a:t>Startup.cs</a:t>
             </a:r>
             <a:r>
               <a:rPr lang="en-IN" dirty="0" smtClean="0"/>
-              <a:t> to </a:t>
+              <a:t> </a:t>
             </a:r>
             <a:r>
               <a:rPr lang="en-IN" dirty="0" smtClean="0"/>
-              <a:t>parse the URL and to determine the path of the controller. </a:t>
+              <a:t>to parse the URL and to determine the path of the controller. </a:t>
             </a:r>
           </a:p>
           <a:p>
@@ -11454,13 +12163,8 @@
             </a:pPr>
             <a:r>
               <a:rPr lang="en-IN" dirty="0" smtClean="0"/>
-              <a:t>Action methods can return an object of any type, such as a string, an integer, or a Boolean </a:t>
-            </a:r>
-            <a:r>
-              <a:rPr lang="en-IN" dirty="0" smtClean="0"/>
-              <a:t>value</a:t>
-            </a:r>
-            <a:endParaRPr lang="en-IN" dirty="0" smtClean="0"/>
+              <a:t>Action methods can return an object of any type, such as a string, an integer, or a Boolean value</a:t>
+            </a:r>
           </a:p>
           <a:p>
             <a:pPr marL="346075" indent="-342900">
@@ -11484,13 +12188,8 @@
             </a:r>
             <a:r>
               <a:rPr lang="en-IN" dirty="0" smtClean="0"/>
-              <a:t> type before they are rendered to the response </a:t>
-            </a:r>
-            <a:r>
-              <a:rPr lang="en-IN" dirty="0" smtClean="0"/>
-              <a:t>stream</a:t>
-            </a:r>
-            <a:endParaRPr lang="en-IN" dirty="0" smtClean="0"/>
+              <a:t> type before they are rendered to the response stream</a:t>
+            </a:r>
           </a:p>
           <a:p>
             <a:pPr marL="346075" indent="-342900">
@@ -11514,13 +12213,8 @@
             </a:r>
             <a:r>
               <a:rPr lang="en-IN" dirty="0" smtClean="0"/>
-              <a:t> methods of a controller class as action </a:t>
-            </a:r>
-            <a:r>
-              <a:rPr lang="en-IN" dirty="0" smtClean="0"/>
-              <a:t>methods</a:t>
-            </a:r>
-            <a:endParaRPr lang="en-IN" dirty="0" smtClean="0"/>
+              <a:t> methods of a controller class as action methods</a:t>
+            </a:r>
           </a:p>
         </p:txBody>
       </p:sp>
